--- a/M202173701/presentation.pptx
+++ b/M202173701/presentation.pptx
@@ -2115,8 +2115,8 @@
               <a:t>Pass</a:t>
             </a:r>
             <a:r>
-              <a:rPr lang="zh-CN" altLang="en-US" dirty="0"/>
-              <a:t>执行完（推测性地执行未来检查）</a:t>
+              <a:rPr lang="zh-CN" altLang="en-US"/>
+              <a:t>执行完</a:t>
             </a:r>
             <a:endParaRPr lang="en-US" altLang="zh-CN" dirty="0"/>
           </a:p>
@@ -3089,7 +3089,7 @@
             </a:r>
             <a:r>
               <a:rPr lang="en-US" altLang="zh-CN" sz="2400" dirty="0"/>
-              <a:t>vanilla e2fsck</a:t>
+              <a:t>e2fsck</a:t>
             </a:r>
             <a:r>
               <a:rPr lang="zh-CN" altLang="en-US" sz="2400" dirty="0"/>
